--- a/UpTake-Xiuhong.pptx
+++ b/UpTake-Xiuhong.pptx
@@ -320,8 +320,8 @@
           <c:showBubbleSize val="0"/>
         </c:dLbls>
         <c:gapWidth val="150"/>
-        <c:axId val="2144162776"/>
-        <c:axId val="2098031704"/>
+        <c:axId val="-2126929064"/>
+        <c:axId val="2143370600"/>
       </c:barChart>
       <c:lineChart>
         <c:grouping val="stacked"/>
@@ -432,11 +432,11 @@
         </c:dLbls>
         <c:marker val="1"/>
         <c:smooth val="0"/>
-        <c:axId val="2143846680"/>
-        <c:axId val="2141134856"/>
+        <c:axId val="-2122134008"/>
+        <c:axId val="2144033640"/>
       </c:lineChart>
       <c:catAx>
-        <c:axId val="2144162776"/>
+        <c:axId val="-2126929064"/>
         <c:scaling>
           <c:orientation val="minMax"/>
         </c:scaling>
@@ -445,7 +445,7 @@
         <c:majorTickMark val="in"/>
         <c:minorTickMark val="none"/>
         <c:tickLblPos val="nextTo"/>
-        <c:crossAx val="2098031704"/>
+        <c:crossAx val="2143370600"/>
         <c:crosses val="autoZero"/>
         <c:auto val="1"/>
         <c:lblAlgn val="ctr"/>
@@ -453,7 +453,7 @@
         <c:noMultiLvlLbl val="0"/>
       </c:catAx>
       <c:valAx>
-        <c:axId val="2098031704"/>
+        <c:axId val="2143370600"/>
         <c:scaling>
           <c:orientation val="minMax"/>
         </c:scaling>
@@ -463,12 +463,12 @@
         <c:majorTickMark val="in"/>
         <c:minorTickMark val="none"/>
         <c:tickLblPos val="nextTo"/>
-        <c:crossAx val="2144162776"/>
+        <c:crossAx val="-2126929064"/>
         <c:crosses val="autoZero"/>
         <c:crossBetween val="between"/>
       </c:valAx>
       <c:valAx>
-        <c:axId val="2141134856"/>
+        <c:axId val="2144033640"/>
         <c:scaling>
           <c:orientation val="minMax"/>
         </c:scaling>
@@ -478,12 +478,12 @@
         <c:majorTickMark val="in"/>
         <c:minorTickMark val="none"/>
         <c:tickLblPos val="nextTo"/>
-        <c:crossAx val="2143846680"/>
+        <c:crossAx val="-2122134008"/>
         <c:crosses val="max"/>
         <c:crossBetween val="between"/>
       </c:valAx>
       <c:catAx>
-        <c:axId val="2143846680"/>
+        <c:axId val="-2122134008"/>
         <c:scaling>
           <c:orientation val="minMax"/>
         </c:scaling>
@@ -492,7 +492,7 @@
         <c:majorTickMark val="out"/>
         <c:minorTickMark val="none"/>
         <c:tickLblPos val="nextTo"/>
-        <c:crossAx val="2141134856"/>
+        <c:crossAx val="2144033640"/>
         <c:crosses val="autoZero"/>
         <c:auto val="1"/>
         <c:lblAlgn val="ctr"/>
@@ -762,8 +762,8 @@
           <c:showBubbleSize val="0"/>
         </c:dLbls>
         <c:gapWidth val="150"/>
-        <c:axId val="2063759752"/>
-        <c:axId val="-2119917096"/>
+        <c:axId val="2143335000"/>
+        <c:axId val="2141121288"/>
       </c:barChart>
       <c:lineChart>
         <c:grouping val="stacked"/>
@@ -886,11 +886,11 @@
         </c:dLbls>
         <c:marker val="1"/>
         <c:smooth val="0"/>
-        <c:axId val="2063963736"/>
-        <c:axId val="2064041048"/>
+        <c:axId val="2143371000"/>
+        <c:axId val="-2121289192"/>
       </c:lineChart>
       <c:catAx>
-        <c:axId val="2063759752"/>
+        <c:axId val="2143335000"/>
         <c:scaling>
           <c:orientation val="minMax"/>
         </c:scaling>
@@ -899,7 +899,7 @@
         <c:majorTickMark val="in"/>
         <c:minorTickMark val="none"/>
         <c:tickLblPos val="nextTo"/>
-        <c:crossAx val="-2119917096"/>
+        <c:crossAx val="2141121288"/>
         <c:crosses val="autoZero"/>
         <c:auto val="1"/>
         <c:lblAlgn val="ctr"/>
@@ -907,7 +907,7 @@
         <c:noMultiLvlLbl val="0"/>
       </c:catAx>
       <c:valAx>
-        <c:axId val="-2119917096"/>
+        <c:axId val="2141121288"/>
         <c:scaling>
           <c:orientation val="minMax"/>
         </c:scaling>
@@ -917,12 +917,12 @@
         <c:majorTickMark val="in"/>
         <c:minorTickMark val="none"/>
         <c:tickLblPos val="nextTo"/>
-        <c:crossAx val="2063759752"/>
+        <c:crossAx val="2143335000"/>
         <c:crosses val="autoZero"/>
         <c:crossBetween val="between"/>
       </c:valAx>
       <c:valAx>
-        <c:axId val="2064041048"/>
+        <c:axId val="-2121289192"/>
         <c:scaling>
           <c:orientation val="minMax"/>
         </c:scaling>
@@ -932,12 +932,12 @@
         <c:majorTickMark val="out"/>
         <c:minorTickMark val="none"/>
         <c:tickLblPos val="nextTo"/>
-        <c:crossAx val="2063963736"/>
+        <c:crossAx val="2143371000"/>
         <c:crosses val="max"/>
         <c:crossBetween val="between"/>
       </c:valAx>
       <c:catAx>
-        <c:axId val="2063963736"/>
+        <c:axId val="2143371000"/>
         <c:scaling>
           <c:orientation val="minMax"/>
         </c:scaling>
@@ -946,7 +946,7 @@
         <c:majorTickMark val="out"/>
         <c:minorTickMark val="none"/>
         <c:tickLblPos val="nextTo"/>
-        <c:crossAx val="2064041048"/>
+        <c:crossAx val="-2121289192"/>
         <c:crosses val="autoZero"/>
         <c:auto val="1"/>
         <c:lblAlgn val="ctr"/>
@@ -1160,8 +1160,8 @@
           <c:showBubbleSize val="0"/>
         </c:dLbls>
         <c:gapWidth val="150"/>
-        <c:axId val="-2123422632"/>
-        <c:axId val="-2124244984"/>
+        <c:axId val="2143843656"/>
+        <c:axId val="-2123455560"/>
       </c:barChart>
       <c:lineChart>
         <c:grouping val="stacked"/>
@@ -1230,11 +1230,11 @@
         </c:dLbls>
         <c:marker val="1"/>
         <c:smooth val="0"/>
-        <c:axId val="-2123717000"/>
-        <c:axId val="2143422232"/>
+        <c:axId val="-2121318536"/>
+        <c:axId val="2141130040"/>
       </c:lineChart>
       <c:catAx>
-        <c:axId val="-2123422632"/>
+        <c:axId val="2143843656"/>
         <c:scaling>
           <c:orientation val="minMax"/>
         </c:scaling>
@@ -1243,7 +1243,7 @@
         <c:majorTickMark val="in"/>
         <c:minorTickMark val="none"/>
         <c:tickLblPos val="nextTo"/>
-        <c:crossAx val="-2124244984"/>
+        <c:crossAx val="-2123455560"/>
         <c:crosses val="autoZero"/>
         <c:auto val="1"/>
         <c:lblAlgn val="ctr"/>
@@ -1251,7 +1251,7 @@
         <c:noMultiLvlLbl val="0"/>
       </c:catAx>
       <c:valAx>
-        <c:axId val="-2124244984"/>
+        <c:axId val="-2123455560"/>
         <c:scaling>
           <c:orientation val="minMax"/>
         </c:scaling>
@@ -1261,12 +1261,12 @@
         <c:majorTickMark val="in"/>
         <c:minorTickMark val="none"/>
         <c:tickLblPos val="nextTo"/>
-        <c:crossAx val="-2123422632"/>
+        <c:crossAx val="2143843656"/>
         <c:crosses val="autoZero"/>
         <c:crossBetween val="between"/>
       </c:valAx>
       <c:valAx>
-        <c:axId val="2143422232"/>
+        <c:axId val="2141130040"/>
         <c:scaling>
           <c:orientation val="minMax"/>
         </c:scaling>
@@ -1276,12 +1276,12 @@
         <c:majorTickMark val="out"/>
         <c:minorTickMark val="none"/>
         <c:tickLblPos val="nextTo"/>
-        <c:crossAx val="-2123717000"/>
+        <c:crossAx val="-2121318536"/>
         <c:crosses val="max"/>
         <c:crossBetween val="between"/>
       </c:valAx>
       <c:catAx>
-        <c:axId val="-2123717000"/>
+        <c:axId val="-2121318536"/>
         <c:scaling>
           <c:orientation val="minMax"/>
         </c:scaling>
@@ -1290,7 +1290,7 @@
         <c:majorTickMark val="out"/>
         <c:minorTickMark val="none"/>
         <c:tickLblPos val="nextTo"/>
-        <c:crossAx val="2143422232"/>
+        <c:crossAx val="2141130040"/>
         <c:crosses val="autoZero"/>
         <c:auto val="1"/>
         <c:lblAlgn val="ctr"/>
@@ -1577,8 +1577,8 @@
           <c:showBubbleSize val="0"/>
         </c:dLbls>
         <c:gapWidth val="150"/>
-        <c:axId val="2146928952"/>
-        <c:axId val="-2119823944"/>
+        <c:axId val="-2124263336"/>
+        <c:axId val="-2126699720"/>
       </c:barChart>
       <c:lineChart>
         <c:grouping val="stacked"/>
@@ -1713,11 +1713,11 @@
         </c:dLbls>
         <c:marker val="1"/>
         <c:smooth val="0"/>
-        <c:axId val="2146539320"/>
-        <c:axId val="-2119552840"/>
+        <c:axId val="-2124318344"/>
+        <c:axId val="-2122051768"/>
       </c:lineChart>
       <c:catAx>
-        <c:axId val="2146928952"/>
+        <c:axId val="-2124263336"/>
         <c:scaling>
           <c:orientation val="minMax"/>
         </c:scaling>
@@ -1726,7 +1726,7 @@
         <c:majorTickMark val="in"/>
         <c:minorTickMark val="none"/>
         <c:tickLblPos val="nextTo"/>
-        <c:crossAx val="-2119823944"/>
+        <c:crossAx val="-2126699720"/>
         <c:crosses val="autoZero"/>
         <c:auto val="1"/>
         <c:lblAlgn val="ctr"/>
@@ -1734,7 +1734,7 @@
         <c:noMultiLvlLbl val="0"/>
       </c:catAx>
       <c:valAx>
-        <c:axId val="-2119823944"/>
+        <c:axId val="-2126699720"/>
         <c:scaling>
           <c:orientation val="minMax"/>
         </c:scaling>
@@ -1744,12 +1744,12 @@
         <c:majorTickMark val="in"/>
         <c:minorTickMark val="none"/>
         <c:tickLblPos val="nextTo"/>
-        <c:crossAx val="2146928952"/>
+        <c:crossAx val="-2124263336"/>
         <c:crosses val="autoZero"/>
         <c:crossBetween val="between"/>
       </c:valAx>
       <c:valAx>
-        <c:axId val="-2119552840"/>
+        <c:axId val="-2122051768"/>
         <c:scaling>
           <c:orientation val="minMax"/>
         </c:scaling>
@@ -1759,12 +1759,12 @@
         <c:majorTickMark val="out"/>
         <c:minorTickMark val="none"/>
         <c:tickLblPos val="nextTo"/>
-        <c:crossAx val="2146539320"/>
+        <c:crossAx val="-2124318344"/>
         <c:crosses val="max"/>
         <c:crossBetween val="between"/>
       </c:valAx>
       <c:catAx>
-        <c:axId val="2146539320"/>
+        <c:axId val="-2124318344"/>
         <c:scaling>
           <c:orientation val="minMax"/>
         </c:scaling>
@@ -1773,7 +1773,7 @@
         <c:majorTickMark val="out"/>
         <c:minorTickMark val="none"/>
         <c:tickLblPos val="nextTo"/>
-        <c:crossAx val="-2119552840"/>
+        <c:crossAx val="-2122051768"/>
         <c:crosses val="autoZero"/>
         <c:auto val="1"/>
         <c:lblAlgn val="ctr"/>
@@ -4848,9 +4848,12 @@
           <a:p>
             <a:r>
               <a:rPr kumimoji="1" lang="en-US" altLang="zh-CN" dirty="0" smtClean="0"/>
-              <a:t>Rachelle Du</a:t>
-            </a:r>
-            <a:endParaRPr kumimoji="1" lang="en-US" altLang="zh-CN" dirty="0" smtClean="0"/>
+              <a:t>Rachelle </a:t>
+            </a:r>
+            <a:r>
+              <a:rPr kumimoji="1" lang="en-US" altLang="zh-CN" dirty="0" smtClean="0"/>
+              <a:t>Du</a:t>
+            </a:r>
           </a:p>
           <a:p>
             <a:r>
@@ -8352,6 +8355,18 @@
               <a:rPr kumimoji="1" lang="en-US" altLang="zh-CN" dirty="0" smtClean="0"/>
               <a:t>A historical data set from an insurance company was used to build predictive model for marketing selection to maximize profit</a:t>
             </a:r>
+          </a:p>
+          <a:p>
+            <a:r>
+              <a:rPr kumimoji="1" lang="en-US" altLang="zh-CN" dirty="0" smtClean="0"/>
+              <a:t>Logistic regression was used to show all the modeling steps</a:t>
+            </a:r>
+          </a:p>
+          <a:p>
+            <a:r>
+              <a:rPr kumimoji="1" lang="en-US" altLang="zh-CN" dirty="0" smtClean="0"/>
+              <a:t>A tree model was also built for comparison</a:t>
+            </a:r>
             <a:endParaRPr kumimoji="1" lang="en-US" altLang="zh-CN" dirty="0"/>
           </a:p>
           <a:p>
@@ -8775,7 +8790,7 @@
           <a:graphicData uri="http://schemas.openxmlformats.org/presentationml/2006/ole">
             <mc:AlternateContent xmlns:mc="http://schemas.openxmlformats.org/markup-compatibility/2006">
               <mc:Choice xmlns:v="urn:schemas-microsoft-com:vml" Requires="v">
-                <p:oleObj spid="_x0000_s1035" name="Packager Shell Object" showAsIcon="1" r:id="rId3" imgW="774360" imgH="685800" progId="Package">
+                <p:oleObj spid="_x0000_s1056" name="Packager Shell Object" showAsIcon="1" r:id="rId3" imgW="774360" imgH="685800" progId="Package">
                   <p:embed/>
                 </p:oleObj>
               </mc:Choice>
@@ -8832,7 +8847,7 @@
           <a:graphicData uri="http://schemas.openxmlformats.org/presentationml/2006/ole">
             <mc:AlternateContent xmlns:mc="http://schemas.openxmlformats.org/markup-compatibility/2006">
               <mc:Choice xmlns:v="urn:schemas-microsoft-com:vml" Requires="v">
-                <p:oleObj spid="_x0000_s1036" name="Packager Shell Object" showAsIcon="1" r:id="rId5" imgW="1650240" imgH="685800" progId="Package">
+                <p:oleObj spid="_x0000_s1057" name="Packager Shell Object" showAsIcon="1" r:id="rId5" imgW="1650240" imgH="685800" progId="Package">
                   <p:embed/>
                 </p:oleObj>
               </mc:Choice>
@@ -12581,7 +12596,7 @@
           <a:graphicData uri="http://schemas.openxmlformats.org/presentationml/2006/ole">
             <mc:AlternateContent xmlns:mc="http://schemas.openxmlformats.org/markup-compatibility/2006">
               <mc:Choice xmlns:v="urn:schemas-microsoft-com:vml" Requires="v">
-                <p:oleObj spid="_x0000_s2055" name="Packager Shell Object" showAsIcon="1" r:id="rId3" imgW="533160" imgH="685800" progId="Package">
+                <p:oleObj spid="_x0000_s2066" name="Packager Shell Object" showAsIcon="1" r:id="rId3" imgW="533160" imgH="685800" progId="Package">
                   <p:embed/>
                 </p:oleObj>
               </mc:Choice>
